--- a/process/posters/spring_poster_knight_3.pptx
+++ b/process/posters/spring_poster_knight_3.pptx
@@ -969,7 +969,7 @@
           <a:p>
             <a:fld id="{B185C8BF-DC9D-4230-9B40-0140EBB9CE2A}" type="datetimeFigureOut">
               <a:rPr lang="en-US" smtClean="0"/>
-              <a:t>3/22/19</a:t>
+              <a:t>3/27/19</a:t>
             </a:fld>
             <a:endParaRPr lang="en-US"/>
           </a:p>
@@ -1153,7 +1153,7 @@
           <a:p>
             <a:fld id="{B185C8BF-DC9D-4230-9B40-0140EBB9CE2A}" type="datetimeFigureOut">
               <a:rPr lang="en-US" smtClean="0"/>
-              <a:t>3/22/19</a:t>
+              <a:t>3/27/19</a:t>
             </a:fld>
             <a:endParaRPr lang="en-US"/>
           </a:p>
@@ -1347,7 +1347,7 @@
           <a:p>
             <a:fld id="{B185C8BF-DC9D-4230-9B40-0140EBB9CE2A}" type="datetimeFigureOut">
               <a:rPr lang="en-US" smtClean="0"/>
-              <a:t>3/22/19</a:t>
+              <a:t>3/27/19</a:t>
             </a:fld>
             <a:endParaRPr lang="en-US"/>
           </a:p>
@@ -1536,7 +1536,7 @@
           <a:p>
             <a:fld id="{B185C8BF-DC9D-4230-9B40-0140EBB9CE2A}" type="datetimeFigureOut">
               <a:rPr lang="en-US" smtClean="0"/>
-              <a:t>3/22/19</a:t>
+              <a:t>3/27/19</a:t>
             </a:fld>
             <a:endParaRPr lang="en-US"/>
           </a:p>
@@ -1797,7 +1797,7 @@
           <a:p>
             <a:fld id="{B185C8BF-DC9D-4230-9B40-0140EBB9CE2A}" type="datetimeFigureOut">
               <a:rPr lang="en-US" smtClean="0"/>
-              <a:t>3/22/19</a:t>
+              <a:t>3/27/19</a:t>
             </a:fld>
             <a:endParaRPr lang="en-US"/>
           </a:p>
@@ -2042,7 +2042,7 @@
           <a:p>
             <a:fld id="{B185C8BF-DC9D-4230-9B40-0140EBB9CE2A}" type="datetimeFigureOut">
               <a:rPr lang="en-US" smtClean="0"/>
-              <a:t>3/22/19</a:t>
+              <a:t>3/27/19</a:t>
             </a:fld>
             <a:endParaRPr lang="en-US"/>
           </a:p>
@@ -2422,7 +2422,7 @@
           <a:p>
             <a:fld id="{B185C8BF-DC9D-4230-9B40-0140EBB9CE2A}" type="datetimeFigureOut">
               <a:rPr lang="en-US" smtClean="0"/>
-              <a:t>3/22/19</a:t>
+              <a:t>3/27/19</a:t>
             </a:fld>
             <a:endParaRPr lang="en-US"/>
           </a:p>
@@ -2555,7 +2555,7 @@
           <a:p>
             <a:fld id="{B185C8BF-DC9D-4230-9B40-0140EBB9CE2A}" type="datetimeFigureOut">
               <a:rPr lang="en-US" smtClean="0"/>
-              <a:t>3/22/19</a:t>
+              <a:t>3/27/19</a:t>
             </a:fld>
             <a:endParaRPr lang="en-US"/>
           </a:p>
@@ -2666,7 +2666,7 @@
           <a:p>
             <a:fld id="{B185C8BF-DC9D-4230-9B40-0140EBB9CE2A}" type="datetimeFigureOut">
               <a:rPr lang="en-US" smtClean="0"/>
-              <a:t>3/22/19</a:t>
+              <a:t>3/27/19</a:t>
             </a:fld>
             <a:endParaRPr lang="en-US"/>
           </a:p>
@@ -2957,7 +2957,7 @@
           <a:p>
             <a:fld id="{B185C8BF-DC9D-4230-9B40-0140EBB9CE2A}" type="datetimeFigureOut">
               <a:rPr lang="en-US" smtClean="0"/>
-              <a:t>3/22/19</a:t>
+              <a:t>3/27/19</a:t>
             </a:fld>
             <a:endParaRPr lang="en-US"/>
           </a:p>
@@ -3225,7 +3225,7 @@
           <a:p>
             <a:fld id="{B185C8BF-DC9D-4230-9B40-0140EBB9CE2A}" type="datetimeFigureOut">
               <a:rPr lang="en-US" smtClean="0"/>
-              <a:t>3/22/19</a:t>
+              <a:t>3/27/19</a:t>
             </a:fld>
             <a:endParaRPr lang="en-US"/>
           </a:p>
@@ -4715,7 +4715,7 @@
           <a:p>
             <a:r>
               <a:rPr lang="en-US" sz="3200" dirty="0"/>
-              <a:t>This work was supported in part by the {INSERT FUNDING AGENCY} through, Grant {INSERT GRANT NUMBER} and the Center for Computational Analysis of Social and Organization Systems (CASOS). The views and conclusions contained in this document are those of the authors and should not be interpreted as representing official policies, either expressed or implied, of the {INSERT FUNDING AGENCY} or the U.S. government.</a:t>
+              <a:t>This work was supported in part by the ONR through, Grant “Group Polarization in Social Media: An Effective Network Approach to Communicative Reach and Disinformation” (N00014182106), and the Center for Computational Analysis of Social and Organization Systems (CASOS). The views and conclusions contained in this document are those of the authors and should not be interpreted as representing official policies, either expressed or implied, of the ONR or the U.S. government.</a:t>
             </a:r>
           </a:p>
         </p:txBody>
@@ -4945,8 +4945,8 @@
         </p:nvSpPr>
         <p:spPr>
           <a:xfrm>
-            <a:off x="2004487" y="15435623"/>
-            <a:ext cx="8365000" cy="6714659"/>
+            <a:off x="1825112" y="14853071"/>
+            <a:ext cx="9033879" cy="6560770"/>
           </a:xfrm>
           <a:prstGeom prst="rect">
             <a:avLst/>
@@ -4956,7 +4956,7 @@
           </a:ln>
           <a:extLst>
             <a:ext uri="{C572A759-6A51-4108-AA02-DFA0A04FC94B}">
-              <ma14:wrappingTextBoxFlag xmlns:ma14="http://schemas.microsoft.com/office/mac/drawingml/2011/main" xmlns:a14="http://schemas.microsoft.com/office/drawing/2010/main" xmlns:m="http://schemas.openxmlformats.org/officeDocument/2006/math" xmlns="" val="1"/>
+              <ma14:wrappingTextBoxFlag xmlns="" xmlns:m="http://schemas.openxmlformats.org/officeDocument/2006/math" xmlns:a14="http://schemas.microsoft.com/office/drawing/2010/main" xmlns:ma14="http://schemas.microsoft.com/office/mac/drawingml/2011/main" val="1"/>
             </a:ext>
           </a:extLst>
         </p:spPr>
@@ -5134,39 +5134,20 @@
               </a:defRPr>
             </a:pPr>
             <a:r>
-              <a:rPr sz="3000" dirty="0">
+              <a:rPr lang="en-US" sz="3000" b="1" i="1" dirty="0">
                 <a:latin typeface="Calibri" panose="020F0502020204030204" pitchFamily="34" charset="0"/>
                 <a:cs typeface="Calibri" panose="020F0502020204030204" pitchFamily="34" charset="0"/>
               </a:rPr>
-              <a:t>In the early 1900s, major newspapers across the United States experimented with op-eds as </a:t>
-            </a:r>
-            <a:r>
-              <a:rPr sz="3000" b="1" dirty="0">
-                <a:latin typeface="Calibri" panose="020F0502020204030204" pitchFamily="34" charset="0"/>
-                <a:cs typeface="Calibri" panose="020F0502020204030204" pitchFamily="34" charset="0"/>
-              </a:rPr>
-              <a:t>an innovative public forum for commentary</a:t>
-            </a:r>
-            <a:r>
-              <a:rPr lang="en-US" sz="3000" b="1" baseline="30000" dirty="0">
-                <a:latin typeface="Calibri" panose="020F0502020204030204" pitchFamily="34" charset="0"/>
-                <a:cs typeface="Calibri" panose="020F0502020204030204" pitchFamily="34" charset="0"/>
-              </a:rPr>
-              <a:t>3</a:t>
-            </a:r>
-            <a:r>
-              <a:rPr sz="3000" dirty="0">
-                <a:latin typeface="Calibri" panose="020F0502020204030204" pitchFamily="34" charset="0"/>
-                <a:cs typeface="Calibri" panose="020F0502020204030204" pitchFamily="34" charset="0"/>
-              </a:rPr>
-              <a:t>. </a:t>
-            </a:r>
-          </a:p>
-          <a:p>
-            <a:pPr defTabSz="685800">
+              <a:t>Past:</a:t>
+            </a:r>
+          </a:p>
+          <a:p>
+            <a:pPr marL="457200" indent="-457200" defTabSz="685800">
               <a:spcBef>
                 <a:spcPts val="1200"/>
               </a:spcBef>
+              <a:buFontTx/>
+              <a:buChar char="-"/>
               <a:defRPr sz="700">
                 <a:latin typeface="Times"/>
                 <a:ea typeface="Times"/>
@@ -5175,26 +5156,152 @@
               </a:defRPr>
             </a:pPr>
             <a:r>
+              <a:rPr lang="en-US" sz="3000" dirty="0">
+                <a:latin typeface="Calibri" panose="020F0502020204030204" pitchFamily="34" charset="0"/>
+                <a:cs typeface="Calibri" panose="020F0502020204030204" pitchFamily="34" charset="0"/>
+              </a:rPr>
+              <a:t>E</a:t>
+            </a:r>
+            <a:r>
               <a:rPr sz="3000" dirty="0">
                 <a:latin typeface="Calibri" panose="020F0502020204030204" pitchFamily="34" charset="0"/>
                 <a:cs typeface="Calibri" panose="020F0502020204030204" pitchFamily="34" charset="0"/>
               </a:rPr>
-              <a:t>Designed to democratize social and political discourse, the op-ed section </a:t>
+              <a:t>arly 1900s, </a:t>
+            </a:r>
+            <a:r>
+              <a:rPr lang="en-US" sz="3000" dirty="0">
+                <a:latin typeface="Calibri" panose="020F0502020204030204" pitchFamily="34" charset="0"/>
+                <a:cs typeface="Calibri" panose="020F0502020204030204" pitchFamily="34" charset="0"/>
+              </a:rPr>
+              <a:t>invented </a:t>
+            </a:r>
+            <a:r>
+              <a:rPr sz="3000" dirty="0">
+                <a:latin typeface="Calibri" panose="020F0502020204030204" pitchFamily="34" charset="0"/>
+                <a:cs typeface="Calibri" panose="020F0502020204030204" pitchFamily="34" charset="0"/>
+              </a:rPr>
+              <a:t>as an innovative public forum for commentary</a:t>
+            </a:r>
+            <a:r>
+              <a:rPr lang="en-US" sz="3000" baseline="30000" dirty="0">
+                <a:latin typeface="Calibri" panose="020F0502020204030204" pitchFamily="34" charset="0"/>
+                <a:cs typeface="Calibri" panose="020F0502020204030204" pitchFamily="34" charset="0"/>
+              </a:rPr>
+              <a:t>3</a:t>
+            </a:r>
+            <a:r>
+              <a:rPr sz="3000" dirty="0">
+                <a:latin typeface="Calibri" panose="020F0502020204030204" pitchFamily="34" charset="0"/>
+                <a:cs typeface="Calibri" panose="020F0502020204030204" pitchFamily="34" charset="0"/>
+              </a:rPr>
+              <a:t>. </a:t>
+            </a:r>
+            <a:endParaRPr lang="en-US" sz="3000" dirty="0">
+              <a:latin typeface="Calibri" panose="020F0502020204030204" pitchFamily="34" charset="0"/>
+              <a:cs typeface="Calibri" panose="020F0502020204030204" pitchFamily="34" charset="0"/>
+            </a:endParaRPr>
+          </a:p>
+          <a:p>
+            <a:pPr marL="457200" indent="-457200" defTabSz="685800">
+              <a:spcBef>
+                <a:spcPts val="1200"/>
+              </a:spcBef>
+              <a:buFontTx/>
+              <a:buChar char="-"/>
+              <a:defRPr sz="700">
+                <a:latin typeface="Times"/>
+                <a:ea typeface="Times"/>
+                <a:cs typeface="Times"/>
+                <a:sym typeface="Times"/>
+              </a:defRPr>
+            </a:pPr>
+            <a:r>
+              <a:rPr lang="en-US" sz="3000" b="1" dirty="0">
+                <a:latin typeface="Calibri" panose="020F0502020204030204" pitchFamily="34" charset="0"/>
+                <a:cs typeface="Calibri" panose="020F0502020204030204" pitchFamily="34" charset="0"/>
+              </a:rPr>
+              <a:t>I</a:t>
             </a:r>
             <a:r>
               <a:rPr sz="3000" b="1" dirty="0">
                 <a:latin typeface="Calibri" panose="020F0502020204030204" pitchFamily="34" charset="0"/>
                 <a:cs typeface="Calibri" panose="020F0502020204030204" pitchFamily="34" charset="0"/>
               </a:rPr>
-              <a:t>includes diverse voices and opinions</a:t>
+              <a:t>nclude</a:t>
+            </a:r>
+            <a:r>
+              <a:rPr lang="en-US" sz="3000" b="1" dirty="0">
+                <a:latin typeface="Calibri" panose="020F0502020204030204" pitchFamily="34" charset="0"/>
+                <a:cs typeface="Calibri" panose="020F0502020204030204" pitchFamily="34" charset="0"/>
+              </a:rPr>
+              <a:t>d</a:t>
+            </a:r>
+            <a:r>
+              <a:rPr sz="3000" b="1" dirty="0">
+                <a:latin typeface="Calibri" panose="020F0502020204030204" pitchFamily="34" charset="0"/>
+                <a:cs typeface="Calibri" panose="020F0502020204030204" pitchFamily="34" charset="0"/>
+              </a:rPr>
+              <a:t> diverse voices</a:t>
+            </a:r>
+            <a:r>
+              <a:rPr lang="en-US" sz="3000" b="1" dirty="0">
+                <a:latin typeface="Calibri" panose="020F0502020204030204" pitchFamily="34" charset="0"/>
+                <a:cs typeface="Calibri" panose="020F0502020204030204" pitchFamily="34" charset="0"/>
+              </a:rPr>
+              <a:t> </a:t>
             </a:r>
             <a:r>
               <a:rPr sz="3000" dirty="0">
                 <a:latin typeface="Calibri" panose="020F0502020204030204" pitchFamily="34" charset="0"/>
                 <a:cs typeface="Calibri" panose="020F0502020204030204" pitchFamily="34" charset="0"/>
               </a:rPr>
-              <a:t> from a variety of professions, identities, backgrounds, and across the political spectrum.</a:t>
-            </a:r>
+              <a:t>from a variety of professions, identities, backgrounds, and political </a:t>
+            </a:r>
+            <a:r>
+              <a:rPr lang="en-US" sz="3000" dirty="0">
+                <a:latin typeface="Calibri" panose="020F0502020204030204" pitchFamily="34" charset="0"/>
+                <a:cs typeface="Calibri" panose="020F0502020204030204" pitchFamily="34" charset="0"/>
+              </a:rPr>
+              <a:t>stances</a:t>
+            </a:r>
+            <a:r>
+              <a:rPr sz="3000" dirty="0">
+                <a:latin typeface="Calibri" panose="020F0502020204030204" pitchFamily="34" charset="0"/>
+                <a:cs typeface="Calibri" panose="020F0502020204030204" pitchFamily="34" charset="0"/>
+              </a:rPr>
+              <a:t>.</a:t>
+            </a:r>
+            <a:endParaRPr lang="en-US" sz="3000" dirty="0">
+              <a:latin typeface="Calibri" panose="020F0502020204030204" pitchFamily="34" charset="0"/>
+              <a:cs typeface="Calibri" panose="020F0502020204030204" pitchFamily="34" charset="0"/>
+            </a:endParaRPr>
+          </a:p>
+          <a:p>
+            <a:pPr marL="457200" indent="-457200" defTabSz="685800">
+              <a:spcBef>
+                <a:spcPts val="1200"/>
+              </a:spcBef>
+              <a:buFontTx/>
+              <a:buChar char="-"/>
+              <a:defRPr sz="700">
+                <a:latin typeface="Times"/>
+                <a:ea typeface="Times"/>
+                <a:cs typeface="Times"/>
+                <a:sym typeface="Times"/>
+              </a:defRPr>
+            </a:pPr>
+            <a:r>
+              <a:rPr lang="en-US" sz="3000" dirty="0">
+                <a:latin typeface="Calibri" panose="020F0502020204030204" pitchFamily="34" charset="0"/>
+                <a:cs typeface="Calibri" panose="020F0502020204030204" pitchFamily="34" charset="0"/>
+              </a:rPr>
+              <a:t>Designed to democratize social and political discourse</a:t>
+            </a:r>
+            <a:endParaRPr sz="3000" dirty="0">
+              <a:latin typeface="Calibri" panose="020F0502020204030204" pitchFamily="34" charset="0"/>
+              <a:cs typeface="Calibri" panose="020F0502020204030204" pitchFamily="34" charset="0"/>
+            </a:endParaRPr>
           </a:p>
         </p:txBody>
       </p:sp>
@@ -5212,8 +5319,8 @@
         </p:nvSpPr>
         <p:spPr>
           <a:xfrm>
-            <a:off x="1981026" y="8016000"/>
-            <a:ext cx="8404683" cy="6971139"/>
+            <a:off x="1825112" y="8016000"/>
+            <a:ext cx="8936554" cy="6509474"/>
           </a:xfrm>
           <a:prstGeom prst="rect">
             <a:avLst/>
@@ -5223,7 +5330,7 @@
           </a:ln>
           <a:extLst>
             <a:ext uri="{C572A759-6A51-4108-AA02-DFA0A04FC94B}">
-              <ma14:wrappingTextBoxFlag xmlns:ma14="http://schemas.microsoft.com/office/mac/drawingml/2011/main" xmlns:a14="http://schemas.microsoft.com/office/drawing/2010/main" xmlns:m="http://schemas.openxmlformats.org/officeDocument/2006/math" xmlns="" val="1"/>
+              <ma14:wrappingTextBoxFlag xmlns="" xmlns:m="http://schemas.openxmlformats.org/officeDocument/2006/math" xmlns:a14="http://schemas.microsoft.com/office/drawing/2010/main" xmlns:ma14="http://schemas.microsoft.com/office/mac/drawingml/2011/main" val="1"/>
             </a:ext>
           </a:extLst>
         </p:spPr>
@@ -5398,8 +5505,8 @@
         </p:nvSpPr>
         <p:spPr>
           <a:xfrm>
-            <a:off x="22174827" y="25513018"/>
-            <a:ext cx="8975864" cy="7940635"/>
+            <a:off x="22436085" y="25287006"/>
+            <a:ext cx="8975864" cy="8402300"/>
           </a:xfrm>
           <a:prstGeom prst="rect">
             <a:avLst/>
@@ -5409,7 +5516,7 @@
           </a:ln>
           <a:extLst>
             <a:ext uri="{C572A759-6A51-4108-AA02-DFA0A04FC94B}">
-              <ma14:wrappingTextBoxFlag xmlns:ma14="http://schemas.microsoft.com/office/mac/drawingml/2011/main" xmlns:a14="http://schemas.microsoft.com/office/drawing/2010/main" xmlns:m="http://schemas.openxmlformats.org/officeDocument/2006/math" xmlns="" val="1"/>
+              <ma14:wrappingTextBoxFlag xmlns="" xmlns:m="http://schemas.openxmlformats.org/officeDocument/2006/math" xmlns:a14="http://schemas.microsoft.com/office/drawing/2010/main" xmlns:ma14="http://schemas.microsoft.com/office/mac/drawingml/2011/main" val="1"/>
             </a:ext>
           </a:extLst>
         </p:spPr>
@@ -5478,6 +5585,22 @@
                 <a:cs typeface="Calibri" panose="020F0502020204030204" pitchFamily="34" charset="0"/>
               </a:rPr>
               <a:t>Contextualize findings by consulting literatures</a:t>
+            </a:r>
+          </a:p>
+          <a:p>
+            <a:pPr marL="457200" indent="-457200">
+              <a:buFont typeface="Arial" panose="020B0604020202020204" pitchFamily="34" charset="0"/>
+              <a:buChar char="•"/>
+            </a:pPr>
+            <a:r>
+              <a:rPr lang="en-US" sz="3000" b="0" dirty="0">
+                <a:solidFill>
+                  <a:schemeClr val="tx1"/>
+                </a:solidFill>
+                <a:latin typeface="Calibri" panose="020F0502020204030204" pitchFamily="34" charset="0"/>
+                <a:cs typeface="Calibri" panose="020F0502020204030204" pitchFamily="34" charset="0"/>
+              </a:rPr>
+              <a:t>Interview social media managers of news agencies</a:t>
             </a:r>
           </a:p>
           <a:p>
@@ -5721,7 +5844,7 @@
         </p:nvSpPr>
         <p:spPr>
           <a:xfrm>
-            <a:off x="11359098" y="17830638"/>
+            <a:off x="11620356" y="17830638"/>
             <a:ext cx="9879276" cy="1015663"/>
           </a:xfrm>
           <a:prstGeom prst="rect">
@@ -5732,7 +5855,7 @@
           </a:ln>
           <a:extLst>
             <a:ext uri="{C572A759-6A51-4108-AA02-DFA0A04FC94B}">
-              <ma14:wrappingTextBoxFlag xmlns:ma14="http://schemas.microsoft.com/office/mac/drawingml/2011/main" xmlns:a14="http://schemas.microsoft.com/office/drawing/2010/main" xmlns:m="http://schemas.openxmlformats.org/officeDocument/2006/math" xmlns="" val="1"/>
+              <ma14:wrappingTextBoxFlag xmlns="" xmlns:m="http://schemas.openxmlformats.org/officeDocument/2006/math" xmlns:a14="http://schemas.microsoft.com/office/drawing/2010/main" xmlns:ma14="http://schemas.microsoft.com/office/mac/drawingml/2011/main" val="1"/>
             </a:ext>
           </a:extLst>
         </p:spPr>
@@ -5778,7 +5901,7 @@
         </p:nvSpPr>
         <p:spPr>
           <a:xfrm>
-            <a:off x="22211707" y="7952857"/>
+            <a:off x="22472965" y="7952857"/>
             <a:ext cx="9403437" cy="1015663"/>
           </a:xfrm>
           <a:prstGeom prst="rect">
@@ -5789,7 +5912,7 @@
           </a:ln>
           <a:extLst>
             <a:ext uri="{C572A759-6A51-4108-AA02-DFA0A04FC94B}">
-              <ma14:wrappingTextBoxFlag xmlns:ma14="http://schemas.microsoft.com/office/mac/drawingml/2011/main" xmlns:a14="http://schemas.microsoft.com/office/drawing/2010/main" xmlns:m="http://schemas.openxmlformats.org/officeDocument/2006/math" xmlns="" val="1"/>
+              <ma14:wrappingTextBoxFlag xmlns="" xmlns:m="http://schemas.openxmlformats.org/officeDocument/2006/math" xmlns:a14="http://schemas.microsoft.com/office/drawing/2010/main" xmlns:ma14="http://schemas.microsoft.com/office/mac/drawingml/2011/main" val="1"/>
             </a:ext>
           </a:extLst>
         </p:spPr>
@@ -5855,7 +5978,7 @@
         </p:nvSpPr>
         <p:spPr>
           <a:xfrm>
-            <a:off x="22174827" y="17688986"/>
+            <a:off x="22436085" y="17688986"/>
             <a:ext cx="8975864" cy="3016210"/>
           </a:xfrm>
           <a:prstGeom prst="rect">
@@ -5866,7 +5989,7 @@
           </a:ln>
           <a:extLst>
             <a:ext uri="{C572A759-6A51-4108-AA02-DFA0A04FC94B}">
-              <ma14:wrappingTextBoxFlag xmlns:ma14="http://schemas.microsoft.com/office/mac/drawingml/2011/main" xmlns:a14="http://schemas.microsoft.com/office/drawing/2010/main" xmlns:m="http://schemas.openxmlformats.org/officeDocument/2006/math" xmlns="" val="1"/>
+              <ma14:wrappingTextBoxFlag xmlns="" xmlns:m="http://schemas.openxmlformats.org/officeDocument/2006/math" xmlns:a14="http://schemas.microsoft.com/office/drawing/2010/main" xmlns:ma14="http://schemas.microsoft.com/office/mac/drawingml/2011/main" val="1"/>
             </a:ext>
           </a:extLst>
         </p:spPr>
@@ -5956,7 +6079,7 @@
         </p:nvSpPr>
         <p:spPr>
           <a:xfrm>
-            <a:off x="11312422" y="25170707"/>
+            <a:off x="11573680" y="25170707"/>
             <a:ext cx="10008252" cy="1015663"/>
           </a:xfrm>
           <a:prstGeom prst="rect">
@@ -5967,7 +6090,7 @@
           </a:ln>
           <a:extLst>
             <a:ext uri="{C572A759-6A51-4108-AA02-DFA0A04FC94B}">
-              <ma14:wrappingTextBoxFlag xmlns:ma14="http://schemas.microsoft.com/office/mac/drawingml/2011/main" xmlns:a14="http://schemas.microsoft.com/office/drawing/2010/main" xmlns:m="http://schemas.openxmlformats.org/officeDocument/2006/math" xmlns="" val="1"/>
+              <ma14:wrappingTextBoxFlag xmlns="" xmlns:m="http://schemas.openxmlformats.org/officeDocument/2006/math" xmlns:a14="http://schemas.microsoft.com/office/drawing/2010/main" xmlns:ma14="http://schemas.microsoft.com/office/mac/drawingml/2011/main" val="1"/>
             </a:ext>
           </a:extLst>
         </p:spPr>
@@ -6024,7 +6147,7 @@
         </p:nvSpPr>
         <p:spPr>
           <a:xfrm>
-            <a:off x="11261243" y="8016000"/>
+            <a:off x="11522501" y="8016000"/>
             <a:ext cx="9977131" cy="4047262"/>
           </a:xfrm>
           <a:prstGeom prst="rect">
@@ -6035,7 +6158,7 @@
           </a:ln>
           <a:extLst>
             <a:ext uri="{C572A759-6A51-4108-AA02-DFA0A04FC94B}">
-              <ma14:wrappingTextBoxFlag xmlns:ma14="http://schemas.microsoft.com/office/mac/drawingml/2011/main" xmlns:a14="http://schemas.microsoft.com/office/drawing/2010/main" xmlns:m="http://schemas.openxmlformats.org/officeDocument/2006/math" xmlns="" val="1"/>
+              <ma14:wrappingTextBoxFlag xmlns="" xmlns:m="http://schemas.openxmlformats.org/officeDocument/2006/math" xmlns:a14="http://schemas.microsoft.com/office/drawing/2010/main" xmlns:ma14="http://schemas.microsoft.com/office/mac/drawingml/2011/main" val="1"/>
             </a:ext>
           </a:extLst>
         </p:spPr>
@@ -6204,13 +6327,13 @@
           <p:nvPr>
             <p:extLst>
               <p:ext uri="{D42A27DB-BD31-4B8C-83A1-F6EECF244321}">
-                <p14:modId xmlns:p14="http://schemas.microsoft.com/office/powerpoint/2010/main" val="3359536357"/>
+                <p14:modId xmlns:p14="http://schemas.microsoft.com/office/powerpoint/2010/main" val="467486988"/>
               </p:ext>
             </p:extLst>
           </p:nvPr>
         </p:nvGraphicFramePr>
         <p:xfrm>
-          <a:off x="11399254" y="19145621"/>
+          <a:off x="11660512" y="19145621"/>
           <a:ext cx="9921421" cy="4536440"/>
         </p:xfrm>
         <a:graphic>
@@ -7900,105 +8023,6 @@
           </a:graphicData>
         </a:graphic>
       </p:graphicFrame>
-      <p:pic>
-        <p:nvPicPr>
-          <p:cNvPr id="19" name="Screen Shot 2019-03-19 at 2.39.35 PM.png" descr="Screen Shot 2019-03-19 at 2.39.35 PM.png">
-            <a:extLst>
-              <a:ext uri="{FF2B5EF4-FFF2-40B4-BE49-F238E27FC236}">
-                <a16:creationId xmlns:a16="http://schemas.microsoft.com/office/drawing/2014/main" id="{226227A4-30E3-904B-9987-9A57118CFD62}"/>
-              </a:ext>
-            </a:extLst>
-          </p:cNvPr>
-          <p:cNvPicPr>
-            <a:picLocks noChangeAspect="1"/>
-          </p:cNvPicPr>
-          <p:nvPr/>
-        </p:nvPicPr>
-        <p:blipFill>
-          <a:blip r:embed="rId3">
-            <a:extLst/>
-          </a:blip>
-          <a:stretch>
-            <a:fillRect/>
-          </a:stretch>
-        </p:blipFill>
-        <p:spPr>
-          <a:xfrm>
-            <a:off x="1563855" y="22598766"/>
-            <a:ext cx="3882727" cy="1686719"/>
-          </a:xfrm>
-          <a:prstGeom prst="rect">
-            <a:avLst/>
-          </a:prstGeom>
-          <a:ln>
-            <a:noFill/>
-          </a:ln>
-          <a:effectLst/>
-        </p:spPr>
-      </p:pic>
-      <p:sp>
-        <p:nvSpPr>
-          <p:cNvPr id="18" name="The Los Angeles Times included contributors across the political spectrum (1967)">
-            <a:extLst>
-              <a:ext uri="{FF2B5EF4-FFF2-40B4-BE49-F238E27FC236}">
-                <a16:creationId xmlns:a16="http://schemas.microsoft.com/office/drawing/2014/main" id="{60503F5D-2CDD-F744-B985-7A661C693777}"/>
-              </a:ext>
-            </a:extLst>
-          </p:cNvPr>
-          <p:cNvSpPr txBox="1"/>
-          <p:nvPr/>
-        </p:nvSpPr>
-        <p:spPr>
-          <a:xfrm>
-            <a:off x="1563855" y="24483754"/>
-            <a:ext cx="4125384" cy="1107994"/>
-          </a:xfrm>
-          <a:prstGeom prst="rect">
-            <a:avLst/>
-          </a:prstGeom>
-          <a:noFill/>
-          <a:ln w="12700" cap="flat">
-            <a:noFill/>
-            <a:miter lim="400000"/>
-          </a:ln>
-          <a:effectLst/>
-          <a:extLst>
-            <a:ext uri="{C572A759-6A51-4108-AA02-DFA0A04FC94B}">
-              <ma14:wrappingTextBoxFlag xmlns:ma14="http://schemas.microsoft.com/office/mac/drawingml/2011/main" xmlns:a14="http://schemas.microsoft.com/office/drawing/2010/main" xmlns:m="http://schemas.openxmlformats.org/officeDocument/2006/math" xmlns="" val="1"/>
-            </a:ext>
-          </a:extLst>
-        </p:spPr>
-        <p:txBody>
-          <a:bodyPr wrap="square" lIns="45719" tIns="45719" rIns="45719" bIns="45719" numCol="1" anchor="ctr">
-            <a:spAutoFit/>
-          </a:bodyPr>
-          <a:lstStyle/>
-          <a:p>
-            <a:pPr algn="ctr">
-              <a:defRPr sz="500">
-                <a:latin typeface="Times"/>
-                <a:ea typeface="Times"/>
-                <a:cs typeface="Times"/>
-                <a:sym typeface="Times"/>
-              </a:defRPr>
-            </a:pPr>
-            <a:r>
-              <a:rPr sz="2200" i="1" dirty="0">
-                <a:latin typeface="Calibri" panose="020F0502020204030204" pitchFamily="34" charset="0"/>
-                <a:cs typeface="Calibri" panose="020F0502020204030204" pitchFamily="34" charset="0"/>
-              </a:rPr>
-              <a:t>The Los Angeles Times</a:t>
-            </a:r>
-            <a:r>
-              <a:rPr sz="2200" dirty="0">
-                <a:latin typeface="Calibri" panose="020F0502020204030204" pitchFamily="34" charset="0"/>
-                <a:cs typeface="Calibri" panose="020F0502020204030204" pitchFamily="34" charset="0"/>
-              </a:rPr>
-              <a:t> included contributors across the political spectrum (1967)</a:t>
-            </a:r>
-          </a:p>
-        </p:txBody>
-      </p:sp>
       <p:sp>
         <p:nvSpPr>
           <p:cNvPr id="21" name="Nowadays, many news agencies regularly share opinion pieces on social media. The social affordances of platforms such as Twitter offer the potential of amplifying influence of op-eds. However, discourse on social media are challenged by the proliferation of online trolls and disinformation.…">
@@ -8013,8 +8037,8 @@
         </p:nvSpPr>
         <p:spPr>
           <a:xfrm>
-            <a:off x="2004487" y="26753372"/>
-            <a:ext cx="8404683" cy="4324261"/>
+            <a:off x="1788027" y="26458275"/>
+            <a:ext cx="8973639" cy="5555367"/>
           </a:xfrm>
           <a:prstGeom prst="rect">
             <a:avLst/>
@@ -8024,7 +8048,7 @@
           </a:ln>
           <a:extLst>
             <a:ext uri="{C572A759-6A51-4108-AA02-DFA0A04FC94B}">
-              <ma14:wrappingTextBoxFlag xmlns:ma14="http://schemas.microsoft.com/office/mac/drawingml/2011/main" xmlns:a14="http://schemas.microsoft.com/office/drawing/2010/main" xmlns:m="http://schemas.openxmlformats.org/officeDocument/2006/math" xmlns="" val="1"/>
+              <ma14:wrappingTextBoxFlag xmlns="" xmlns:m="http://schemas.openxmlformats.org/officeDocument/2006/math" xmlns:a14="http://schemas.microsoft.com/office/drawing/2010/main" xmlns:ma14="http://schemas.microsoft.com/office/mac/drawingml/2011/main" val="1"/>
             </a:ext>
           </a:extLst>
         </p:spPr>
@@ -8046,12 +8070,109 @@
               </a:defRPr>
             </a:pPr>
             <a:r>
+              <a:rPr lang="en-US" sz="3000" b="1" i="1" dirty="0">
+                <a:latin typeface="Calibri" panose="020F0502020204030204" pitchFamily="34" charset="0"/>
+                <a:cs typeface="Calibri" panose="020F0502020204030204" pitchFamily="34" charset="0"/>
+              </a:rPr>
+              <a:t>Present:</a:t>
+            </a:r>
+          </a:p>
+          <a:p>
+            <a:pPr marL="457200" indent="-457200" defTabSz="685800">
+              <a:spcBef>
+                <a:spcPts val="600"/>
+              </a:spcBef>
+              <a:buFontTx/>
+              <a:buChar char="-"/>
+              <a:defRPr sz="700">
+                <a:latin typeface="Times"/>
+                <a:ea typeface="Times"/>
+                <a:cs typeface="Times"/>
+                <a:sym typeface="Times"/>
+              </a:defRPr>
+            </a:pPr>
+            <a:r>
               <a:rPr sz="3000" dirty="0">
                 <a:latin typeface="Calibri" panose="020F0502020204030204" pitchFamily="34" charset="0"/>
                 <a:cs typeface="Calibri" panose="020F0502020204030204" pitchFamily="34" charset="0"/>
               </a:rPr>
-              <a:t>Nowadays, many news agencies regularly share opinion pieces on social media. The social affordances of platforms such as Twitter offer the potential of amplifying influence of op-eds. However, discourse on social media are challenged by the proliferation of online trolls and disinformation. </a:t>
-            </a:r>
+              <a:t>news agencies regularly share opinion pieces on social media</a:t>
+            </a:r>
+            <a:endParaRPr lang="en-US" sz="3000" dirty="0">
+              <a:latin typeface="Calibri" panose="020F0502020204030204" pitchFamily="34" charset="0"/>
+              <a:cs typeface="Calibri" panose="020F0502020204030204" pitchFamily="34" charset="0"/>
+            </a:endParaRPr>
+          </a:p>
+          <a:p>
+            <a:pPr marL="457200" indent="-457200" defTabSz="685800">
+              <a:spcBef>
+                <a:spcPts val="600"/>
+              </a:spcBef>
+              <a:buFontTx/>
+              <a:buChar char="-"/>
+              <a:defRPr sz="700">
+                <a:latin typeface="Times"/>
+                <a:ea typeface="Times"/>
+                <a:cs typeface="Times"/>
+                <a:sym typeface="Times"/>
+              </a:defRPr>
+            </a:pPr>
+            <a:r>
+              <a:rPr sz="3000" dirty="0">
+                <a:latin typeface="Calibri" panose="020F0502020204030204" pitchFamily="34" charset="0"/>
+                <a:cs typeface="Calibri" panose="020F0502020204030204" pitchFamily="34" charset="0"/>
+              </a:rPr>
+              <a:t>social affordances of platforms such as Twitter offer the potential of amplifying influence of op-eds. </a:t>
+            </a:r>
+            <a:endParaRPr lang="en-US" sz="3000" dirty="0">
+              <a:latin typeface="Calibri" panose="020F0502020204030204" pitchFamily="34" charset="0"/>
+              <a:cs typeface="Calibri" panose="020F0502020204030204" pitchFamily="34" charset="0"/>
+            </a:endParaRPr>
+          </a:p>
+          <a:p>
+            <a:pPr marL="457200" indent="-457200" defTabSz="685800">
+              <a:spcBef>
+                <a:spcPts val="600"/>
+              </a:spcBef>
+              <a:buFontTx/>
+              <a:buChar char="-"/>
+              <a:defRPr sz="700">
+                <a:latin typeface="Times"/>
+                <a:ea typeface="Times"/>
+                <a:cs typeface="Times"/>
+                <a:sym typeface="Times"/>
+              </a:defRPr>
+            </a:pPr>
+            <a:r>
+              <a:rPr sz="3000" dirty="0">
+                <a:latin typeface="Calibri" panose="020F0502020204030204" pitchFamily="34" charset="0"/>
+                <a:cs typeface="Calibri" panose="020F0502020204030204" pitchFamily="34" charset="0"/>
+              </a:rPr>
+              <a:t>discourse on social media are challenged by the proliferation of online trolls and disinformation. </a:t>
+            </a:r>
+            <a:endParaRPr lang="en-US" sz="3000" dirty="0">
+              <a:latin typeface="Calibri" panose="020F0502020204030204" pitchFamily="34" charset="0"/>
+              <a:cs typeface="Calibri" panose="020F0502020204030204" pitchFamily="34" charset="0"/>
+            </a:endParaRPr>
+          </a:p>
+          <a:p>
+            <a:pPr marL="457200" indent="-457200" defTabSz="685800">
+              <a:spcBef>
+                <a:spcPts val="600"/>
+              </a:spcBef>
+              <a:buFontTx/>
+              <a:buChar char="-"/>
+              <a:defRPr sz="700">
+                <a:latin typeface="Times"/>
+                <a:ea typeface="Times"/>
+                <a:cs typeface="Times"/>
+                <a:sym typeface="Times"/>
+              </a:defRPr>
+            </a:pPr>
+            <a:endParaRPr sz="3000" dirty="0">
+              <a:latin typeface="Calibri" panose="020F0502020204030204" pitchFamily="34" charset="0"/>
+              <a:cs typeface="Calibri" panose="020F0502020204030204" pitchFamily="34" charset="0"/>
+            </a:endParaRPr>
           </a:p>
           <a:p>
             <a:pPr defTabSz="685800">
@@ -8089,7 +8210,7 @@
         </p:nvSpPr>
         <p:spPr>
           <a:xfrm>
-            <a:off x="15996383" y="15765007"/>
+            <a:off x="16257641" y="15765007"/>
             <a:ext cx="5324291" cy="811098"/>
           </a:xfrm>
           <a:prstGeom prst="rect">
@@ -8103,7 +8224,7 @@
           <a:effectLst/>
           <a:extLst>
             <a:ext uri="{C572A759-6A51-4108-AA02-DFA0A04FC94B}">
-              <ma14:wrappingTextBoxFlag xmlns:ma14="http://schemas.microsoft.com/office/mac/drawingml/2011/main" xmlns:a14="http://schemas.microsoft.com/office/drawing/2010/main" xmlns:m="http://schemas.openxmlformats.org/officeDocument/2006/math" xmlns="" val="1"/>
+              <ma14:wrappingTextBoxFlag xmlns="" xmlns:m="http://schemas.openxmlformats.org/officeDocument/2006/math" xmlns:a14="http://schemas.microsoft.com/office/drawing/2010/main" xmlns:ma14="http://schemas.microsoft.com/office/mac/drawingml/2011/main" val="1"/>
             </a:ext>
           </a:extLst>
         </p:spPr>
@@ -8163,7 +8284,7 @@
           <p:nvPr/>
         </p:nvPicPr>
         <p:blipFill rotWithShape="1">
-          <a:blip r:embed="rId4">
+          <a:blip r:embed="rId3">
             <a:extLst/>
           </a:blip>
           <a:srcRect b="10919"/>
@@ -8171,7 +8292,7 @@
         </p:blipFill>
         <p:spPr>
           <a:xfrm>
-            <a:off x="11030762" y="12195259"/>
+            <a:off x="11292020" y="12195259"/>
             <a:ext cx="4905620" cy="4846320"/>
           </a:xfrm>
           <a:prstGeom prst="rect">
@@ -8196,13 +8317,13 @@
           <p:nvPr>
             <p:extLst>
               <p:ext uri="{D42A27DB-BD31-4B8C-83A1-F6EECF244321}">
-                <p14:modId xmlns:p14="http://schemas.microsoft.com/office/powerpoint/2010/main" val="3573630493"/>
+                <p14:modId xmlns:p14="http://schemas.microsoft.com/office/powerpoint/2010/main" val="1468070351"/>
               </p:ext>
             </p:extLst>
           </p:nvPr>
         </p:nvGraphicFramePr>
         <p:xfrm>
-          <a:off x="16223045" y="12446744"/>
+          <a:off x="16484303" y="12446744"/>
           <a:ext cx="4870969" cy="2738120"/>
         </p:xfrm>
         <a:graphic>
@@ -8639,7 +8760,7 @@
         </p:nvSpPr>
         <p:spPr>
           <a:xfrm>
-            <a:off x="11359098" y="23966781"/>
+            <a:off x="11620356" y="23966781"/>
             <a:ext cx="9961576" cy="1015663"/>
           </a:xfrm>
           <a:prstGeom prst="rect">
@@ -8650,7 +8771,7 @@
           </a:ln>
           <a:extLst>
             <a:ext uri="{C572A759-6A51-4108-AA02-DFA0A04FC94B}">
-              <ma14:wrappingTextBoxFlag xmlns:ma14="http://schemas.microsoft.com/office/mac/drawingml/2011/main" xmlns:a14="http://schemas.microsoft.com/office/drawing/2010/main" xmlns:m="http://schemas.openxmlformats.org/officeDocument/2006/math" xmlns="" val="1"/>
+              <ma14:wrappingTextBoxFlag xmlns="" xmlns:m="http://schemas.openxmlformats.org/officeDocument/2006/math" xmlns:a14="http://schemas.microsoft.com/office/drawing/2010/main" xmlns:ma14="http://schemas.microsoft.com/office/mac/drawingml/2011/main" val="1"/>
             </a:ext>
           </a:extLst>
         </p:spPr>
@@ -8696,135 +8817,255 @@
           </a:p>
         </p:txBody>
       </p:sp>
-      <p:sp>
-        <p:nvSpPr>
-          <p:cNvPr id="33" name="The commitment to include diverse opinions and voices in the op-ed section is being continued today.">
+      <p:grpSp>
+        <p:nvGrpSpPr>
+          <p:cNvPr id="3" name="Group 2">
             <a:extLst>
               <a:ext uri="{FF2B5EF4-FFF2-40B4-BE49-F238E27FC236}">
-                <a16:creationId xmlns:a16="http://schemas.microsoft.com/office/drawing/2014/main" id="{DC163DA4-B0E3-4F4E-9BD0-8C8ECD7B3D6E}"/>
+                <a16:creationId xmlns:a16="http://schemas.microsoft.com/office/drawing/2014/main" id="{0B9ED1C3-9C7E-7846-9799-636230ED25F3}"/>
               </a:ext>
             </a:extLst>
           </p:cNvPr>
-          <p:cNvSpPr txBox="1"/>
+          <p:cNvGrpSpPr/>
           <p:nvPr/>
-        </p:nvSpPr>
-        <p:spPr>
+        </p:nvGrpSpPr>
+        <p:grpSpPr>
           <a:xfrm>
-            <a:off x="5890204" y="25343903"/>
-            <a:ext cx="4764293" cy="1107994"/>
+            <a:off x="1788027" y="21934541"/>
+            <a:ext cx="9108047" cy="4073046"/>
+            <a:chOff x="1825112" y="23450787"/>
+            <a:chExt cx="9108047" cy="4073046"/>
           </a:xfrm>
-          <a:prstGeom prst="rect">
-            <a:avLst/>
-          </a:prstGeom>
-          <a:noFill/>
-          <a:ln w="12700" cap="flat">
+        </p:grpSpPr>
+        <p:pic>
+          <p:nvPicPr>
+            <p:cNvPr id="19" name="Screen Shot 2019-03-19 at 2.39.35 PM.png" descr="Screen Shot 2019-03-19 at 2.39.35 PM.png">
+              <a:extLst>
+                <a:ext uri="{FF2B5EF4-FFF2-40B4-BE49-F238E27FC236}">
+                  <a16:creationId xmlns:a16="http://schemas.microsoft.com/office/drawing/2014/main" id="{226227A4-30E3-904B-9987-9A57118CFD62}"/>
+                </a:ext>
+              </a:extLst>
+            </p:cNvPr>
+            <p:cNvPicPr>
+              <a:picLocks noChangeAspect="1"/>
+            </p:cNvPicPr>
+            <p:nvPr/>
+          </p:nvPicPr>
+          <p:blipFill>
+            <a:blip r:embed="rId4">
+              <a:extLst/>
+            </a:blip>
+            <a:stretch>
+              <a:fillRect/>
+            </a:stretch>
+          </p:blipFill>
+          <p:spPr>
+            <a:xfrm>
+              <a:off x="1825112" y="23670702"/>
+              <a:ext cx="3882727" cy="1686719"/>
+            </a:xfrm>
+            <a:prstGeom prst="rect">
+              <a:avLst/>
+            </a:prstGeom>
+            <a:ln>
+              <a:noFill/>
+            </a:ln>
+            <a:effectLst/>
+          </p:spPr>
+        </p:pic>
+        <p:sp>
+          <p:nvSpPr>
+            <p:cNvPr id="18" name="The Los Angeles Times included contributors across the political spectrum (1967)">
+              <a:extLst>
+                <a:ext uri="{FF2B5EF4-FFF2-40B4-BE49-F238E27FC236}">
+                  <a16:creationId xmlns:a16="http://schemas.microsoft.com/office/drawing/2014/main" id="{60503F5D-2CDD-F744-B985-7A661C693777}"/>
+                </a:ext>
+              </a:extLst>
+            </p:cNvPr>
+            <p:cNvSpPr txBox="1"/>
+            <p:nvPr/>
+          </p:nvSpPr>
+          <p:spPr>
+            <a:xfrm>
+              <a:off x="1825112" y="25555690"/>
+              <a:ext cx="4125384" cy="1107994"/>
+            </a:xfrm>
+            <a:prstGeom prst="rect">
+              <a:avLst/>
+            </a:prstGeom>
             <a:noFill/>
-            <a:miter lim="400000"/>
-          </a:ln>
-          <a:effectLst/>
-          <a:extLst>
-            <a:ext uri="{C572A759-6A51-4108-AA02-DFA0A04FC94B}">
-              <ma14:wrappingTextBoxFlag xmlns:ma14="http://schemas.microsoft.com/office/mac/drawingml/2011/main" xmlns:a14="http://schemas.microsoft.com/office/drawing/2010/main" xmlns:m="http://schemas.openxmlformats.org/officeDocument/2006/math" xmlns="" val="1"/>
-            </a:ext>
-          </a:extLst>
-        </p:spPr>
-        <p:txBody>
-          <a:bodyPr wrap="square" lIns="45719" tIns="45719" rIns="45719" bIns="45719" numCol="1" anchor="ctr">
-            <a:spAutoFit/>
-          </a:bodyPr>
-          <a:lstStyle>
-            <a:lvl1pPr algn="ctr">
-              <a:defRPr sz="500">
-                <a:latin typeface="Times"/>
-                <a:ea typeface="Times"/>
-                <a:cs typeface="Times"/>
-                <a:sym typeface="Times"/>
-              </a:defRPr>
-            </a:lvl1pPr>
-          </a:lstStyle>
-          <a:p>
-            <a:r>
-              <a:rPr sz="2200" dirty="0">
-                <a:latin typeface="+mn-lt"/>
-              </a:rPr>
-              <a:t>The commitment to include diverse opinions and voices in the op-ed section is being continued today.</a:t>
-            </a:r>
-          </a:p>
-        </p:txBody>
-      </p:sp>
-      <p:pic>
-        <p:nvPicPr>
-          <p:cNvPr id="38" name="Screen Shot 2019-03-19 at 3.25.04 PM.png" descr="Screen Shot 2019-03-19 at 3.25.04 PM.png">
+            <a:ln w="12700" cap="flat">
+              <a:noFill/>
+              <a:miter lim="400000"/>
+            </a:ln>
+            <a:effectLst/>
             <a:extLst>
-              <a:ext uri="{FF2B5EF4-FFF2-40B4-BE49-F238E27FC236}">
-                <a16:creationId xmlns:a16="http://schemas.microsoft.com/office/drawing/2014/main" id="{C3B06AE3-8773-1B4D-804B-A52C1E23844F}"/>
+              <a:ext uri="{C572A759-6A51-4108-AA02-DFA0A04FC94B}">
+                <ma14:wrappingTextBoxFlag xmlns="" xmlns:m="http://schemas.openxmlformats.org/officeDocument/2006/math" xmlns:a14="http://schemas.microsoft.com/office/drawing/2010/main" xmlns:ma14="http://schemas.microsoft.com/office/mac/drawingml/2011/main" val="1"/>
               </a:ext>
             </a:extLst>
-          </p:cNvPr>
-          <p:cNvPicPr>
-            <a:picLocks noChangeAspect="1"/>
-          </p:cNvPicPr>
-          <p:nvPr/>
-        </p:nvPicPr>
-        <p:blipFill>
-          <a:blip r:embed="rId5">
-            <a:extLst/>
-          </a:blip>
-          <a:srcRect b="68501"/>
-          <a:stretch>
-            <a:fillRect/>
-          </a:stretch>
-        </p:blipFill>
-        <p:spPr>
-          <a:xfrm>
-            <a:off x="5644200" y="23426580"/>
-            <a:ext cx="5027702" cy="1849740"/>
-          </a:xfrm>
-          <a:prstGeom prst="rect">
-            <a:avLst/>
-          </a:prstGeom>
-          <a:ln>
+          </p:spPr>
+          <p:txBody>
+            <a:bodyPr wrap="square" lIns="45719" tIns="45719" rIns="45719" bIns="45719" numCol="1" anchor="ctr">
+              <a:spAutoFit/>
+            </a:bodyPr>
+            <a:lstStyle/>
+            <a:p>
+              <a:pPr algn="ctr">
+                <a:defRPr sz="500">
+                  <a:latin typeface="Times"/>
+                  <a:ea typeface="Times"/>
+                  <a:cs typeface="Times"/>
+                  <a:sym typeface="Times"/>
+                </a:defRPr>
+              </a:pPr>
+              <a:r>
+                <a:rPr sz="2200" i="1" dirty="0">
+                  <a:latin typeface="Calibri" panose="020F0502020204030204" pitchFamily="34" charset="0"/>
+                  <a:cs typeface="Calibri" panose="020F0502020204030204" pitchFamily="34" charset="0"/>
+                </a:rPr>
+                <a:t>The Los Angeles Times</a:t>
+              </a:r>
+              <a:r>
+                <a:rPr sz="2200" dirty="0">
+                  <a:latin typeface="Calibri" panose="020F0502020204030204" pitchFamily="34" charset="0"/>
+                  <a:cs typeface="Calibri" panose="020F0502020204030204" pitchFamily="34" charset="0"/>
+                </a:rPr>
+                <a:t> included contributors across the political spectrum (1967)</a:t>
+              </a:r>
+            </a:p>
+          </p:txBody>
+        </p:sp>
+        <p:sp>
+          <p:nvSpPr>
+            <p:cNvPr id="33" name="The commitment to include diverse opinions and voices in the op-ed section is being continued today.">
+              <a:extLst>
+                <a:ext uri="{FF2B5EF4-FFF2-40B4-BE49-F238E27FC236}">
+                  <a16:creationId xmlns:a16="http://schemas.microsoft.com/office/drawing/2014/main" id="{DC163DA4-B0E3-4F4E-9BD0-8C8ECD7B3D6E}"/>
+                </a:ext>
+              </a:extLst>
+            </p:cNvPr>
+            <p:cNvSpPr txBox="1"/>
+            <p:nvPr/>
+          </p:nvSpPr>
+          <p:spPr>
+            <a:xfrm>
+              <a:off x="6151461" y="26415839"/>
+              <a:ext cx="4764293" cy="1107994"/>
+            </a:xfrm>
+            <a:prstGeom prst="rect">
+              <a:avLst/>
+            </a:prstGeom>
             <a:noFill/>
-          </a:ln>
-          <a:effectLst/>
-        </p:spPr>
-      </p:pic>
-      <p:pic>
-        <p:nvPicPr>
-          <p:cNvPr id="36" name="Screen Shot 2019-03-19 at 2.38.48 PM.png" descr="Screen Shot 2019-03-19 at 2.38.48 PM.png">
+            <a:ln w="12700" cap="flat">
+              <a:noFill/>
+              <a:miter lim="400000"/>
+            </a:ln>
+            <a:effectLst/>
             <a:extLst>
-              <a:ext uri="{FF2B5EF4-FFF2-40B4-BE49-F238E27FC236}">
-                <a16:creationId xmlns:a16="http://schemas.microsoft.com/office/drawing/2014/main" id="{B316C984-9A5F-FB47-898C-70352E77D561}"/>
+              <a:ext uri="{C572A759-6A51-4108-AA02-DFA0A04FC94B}">
+                <ma14:wrappingTextBoxFlag xmlns="" xmlns:m="http://schemas.openxmlformats.org/officeDocument/2006/math" xmlns:a14="http://schemas.microsoft.com/office/drawing/2010/main" xmlns:ma14="http://schemas.microsoft.com/office/mac/drawingml/2011/main" val="1"/>
               </a:ext>
             </a:extLst>
-          </p:cNvPr>
-          <p:cNvPicPr>
-            <a:picLocks noChangeAspect="1"/>
-          </p:cNvPicPr>
-          <p:nvPr/>
-        </p:nvPicPr>
-        <p:blipFill>
-          <a:blip r:embed="rId6">
-            <a:extLst/>
-          </a:blip>
-          <a:stretch>
-            <a:fillRect/>
-          </a:stretch>
-        </p:blipFill>
-        <p:spPr>
-          <a:xfrm>
-            <a:off x="7736013" y="22378851"/>
-            <a:ext cx="2649696" cy="993640"/>
-          </a:xfrm>
-          <a:prstGeom prst="rect">
-            <a:avLst/>
-          </a:prstGeom>
-          <a:ln>
-            <a:noFill/>
-          </a:ln>
-          <a:effectLst/>
-        </p:spPr>
-      </p:pic>
+          </p:spPr>
+          <p:txBody>
+            <a:bodyPr wrap="square" lIns="45719" tIns="45719" rIns="45719" bIns="45719" numCol="1" anchor="ctr">
+              <a:spAutoFit/>
+            </a:bodyPr>
+            <a:lstStyle>
+              <a:lvl1pPr algn="ctr">
+                <a:defRPr sz="500">
+                  <a:latin typeface="Times"/>
+                  <a:ea typeface="Times"/>
+                  <a:cs typeface="Times"/>
+                  <a:sym typeface="Times"/>
+                </a:defRPr>
+              </a:lvl1pPr>
+            </a:lstStyle>
+            <a:p>
+              <a:r>
+                <a:rPr sz="2200" dirty="0">
+                  <a:latin typeface="+mn-lt"/>
+                </a:rPr>
+                <a:t>The commitment to include diverse opinions and voices in the op-ed section is being continued today.</a:t>
+              </a:r>
+            </a:p>
+          </p:txBody>
+        </p:sp>
+        <p:pic>
+          <p:nvPicPr>
+            <p:cNvPr id="38" name="Screen Shot 2019-03-19 at 3.25.04 PM.png" descr="Screen Shot 2019-03-19 at 3.25.04 PM.png">
+              <a:extLst>
+                <a:ext uri="{FF2B5EF4-FFF2-40B4-BE49-F238E27FC236}">
+                  <a16:creationId xmlns:a16="http://schemas.microsoft.com/office/drawing/2014/main" id="{C3B06AE3-8773-1B4D-804B-A52C1E23844F}"/>
+                </a:ext>
+              </a:extLst>
+            </p:cNvPr>
+            <p:cNvPicPr>
+              <a:picLocks noChangeAspect="1"/>
+            </p:cNvPicPr>
+            <p:nvPr/>
+          </p:nvPicPr>
+          <p:blipFill>
+            <a:blip r:embed="rId5">
+              <a:extLst/>
+            </a:blip>
+            <a:srcRect b="68501"/>
+            <a:stretch>
+              <a:fillRect/>
+            </a:stretch>
+          </p:blipFill>
+          <p:spPr>
+            <a:xfrm>
+              <a:off x="5905457" y="24498516"/>
+              <a:ext cx="5027702" cy="1849740"/>
+            </a:xfrm>
+            <a:prstGeom prst="rect">
+              <a:avLst/>
+            </a:prstGeom>
+            <a:ln>
+              <a:noFill/>
+            </a:ln>
+            <a:effectLst/>
+          </p:spPr>
+        </p:pic>
+        <p:pic>
+          <p:nvPicPr>
+            <p:cNvPr id="36" name="Screen Shot 2019-03-19 at 2.38.48 PM.png" descr="Screen Shot 2019-03-19 at 2.38.48 PM.png">
+              <a:extLst>
+                <a:ext uri="{FF2B5EF4-FFF2-40B4-BE49-F238E27FC236}">
+                  <a16:creationId xmlns:a16="http://schemas.microsoft.com/office/drawing/2014/main" id="{B316C984-9A5F-FB47-898C-70352E77D561}"/>
+                </a:ext>
+              </a:extLst>
+            </p:cNvPr>
+            <p:cNvPicPr>
+              <a:picLocks noChangeAspect="1"/>
+            </p:cNvPicPr>
+            <p:nvPr/>
+          </p:nvPicPr>
+          <p:blipFill>
+            <a:blip r:embed="rId6">
+              <a:extLst/>
+            </a:blip>
+            <a:stretch>
+              <a:fillRect/>
+            </a:stretch>
+          </p:blipFill>
+          <p:spPr>
+            <a:xfrm>
+              <a:off x="7997270" y="23450787"/>
+              <a:ext cx="2649696" cy="993640"/>
+            </a:xfrm>
+            <a:prstGeom prst="rect">
+              <a:avLst/>
+            </a:prstGeom>
+            <a:ln>
+              <a:noFill/>
+            </a:ln>
+            <a:effectLst/>
+          </p:spPr>
+        </p:pic>
+      </p:grpSp>
       <p:sp>
         <p:nvSpPr>
           <p:cNvPr id="41" name="When the tweet has a question, people reply with direct answers.">
@@ -8839,7 +9080,7 @@
         </p:nvSpPr>
         <p:spPr>
           <a:xfrm>
-            <a:off x="11437590" y="31239394"/>
+            <a:off x="11698848" y="31239394"/>
             <a:ext cx="4961802" cy="853344"/>
           </a:xfrm>
           <a:prstGeom prst="rect">
@@ -8853,7 +9094,7 @@
           <a:effectLst/>
           <a:extLst>
             <a:ext uri="{C572A759-6A51-4108-AA02-DFA0A04FC94B}">
-              <ma14:wrappingTextBoxFlag xmlns:ma14="http://schemas.microsoft.com/office/mac/drawingml/2011/main" xmlns:a14="http://schemas.microsoft.com/office/drawing/2010/main" xmlns:m="http://schemas.openxmlformats.org/officeDocument/2006/math" xmlns="" val="1"/>
+              <ma14:wrappingTextBoxFlag xmlns="" xmlns:m="http://schemas.openxmlformats.org/officeDocument/2006/math" xmlns:a14="http://schemas.microsoft.com/office/drawing/2010/main" xmlns:ma14="http://schemas.microsoft.com/office/mac/drawingml/2011/main" val="1"/>
             </a:ext>
           </a:extLst>
         </p:spPr>
@@ -8918,7 +9159,7 @@
         </p:blipFill>
         <p:spPr>
           <a:xfrm>
-            <a:off x="11367252" y="26441623"/>
+            <a:off x="11628510" y="26441623"/>
             <a:ext cx="4901068" cy="4636009"/>
           </a:xfrm>
           <a:prstGeom prst="rect">
@@ -8965,7 +9206,7 @@
         </p:blipFill>
         <p:spPr>
           <a:xfrm>
-            <a:off x="16542213" y="26450838"/>
+            <a:off x="16803471" y="26450838"/>
             <a:ext cx="4393660" cy="4626795"/>
           </a:xfrm>
           <a:prstGeom prst="rect">
@@ -9001,7 +9242,7 @@
         </p:nvSpPr>
         <p:spPr>
           <a:xfrm>
-            <a:off x="16553793" y="31312922"/>
+            <a:off x="16815051" y="31312922"/>
             <a:ext cx="4624006" cy="699329"/>
           </a:xfrm>
           <a:prstGeom prst="rect">
@@ -9015,7 +9256,7 @@
           <a:effectLst/>
           <a:extLst>
             <a:ext uri="{C572A759-6A51-4108-AA02-DFA0A04FC94B}">
-              <ma14:wrappingTextBoxFlag xmlns:ma14="http://schemas.microsoft.com/office/mac/drawingml/2011/main" xmlns:a14="http://schemas.microsoft.com/office/drawing/2010/main" xmlns:m="http://schemas.openxmlformats.org/officeDocument/2006/math" xmlns="" val="1"/>
+              <ma14:wrappingTextBoxFlag xmlns="" xmlns:m="http://schemas.openxmlformats.org/officeDocument/2006/math" xmlns:a14="http://schemas.microsoft.com/office/drawing/2010/main" xmlns:ma14="http://schemas.microsoft.com/office/mac/drawingml/2011/main" val="1"/>
             </a:ext>
           </a:extLst>
         </p:spPr>
@@ -9058,7 +9299,7 @@
         </p:nvSpPr>
         <p:spPr>
           <a:xfrm>
-            <a:off x="22376825" y="23931858"/>
+            <a:off x="22638083" y="23931858"/>
             <a:ext cx="3583392" cy="697668"/>
           </a:xfrm>
           <a:prstGeom prst="rect">
@@ -9072,7 +9313,7 @@
           <a:effectLst/>
           <a:extLst>
             <a:ext uri="{C572A759-6A51-4108-AA02-DFA0A04FC94B}">
-              <ma14:wrappingTextBoxFlag xmlns:ma14="http://schemas.microsoft.com/office/mac/drawingml/2011/main" xmlns:a14="http://schemas.microsoft.com/office/drawing/2010/main" xmlns:m="http://schemas.openxmlformats.org/officeDocument/2006/math" xmlns="" val="1"/>
+              <ma14:wrappingTextBoxFlag xmlns="" xmlns:m="http://schemas.openxmlformats.org/officeDocument/2006/math" xmlns:a14="http://schemas.microsoft.com/office/drawing/2010/main" xmlns:ma14="http://schemas.microsoft.com/office/mac/drawingml/2011/main" val="1"/>
             </a:ext>
           </a:extLst>
         </p:spPr>
@@ -9125,7 +9366,7 @@
         </p:blipFill>
         <p:spPr>
           <a:xfrm>
-            <a:off x="22150608" y="20994282"/>
+            <a:off x="22411866" y="20994282"/>
             <a:ext cx="4261938" cy="3080421"/>
           </a:xfrm>
           <a:prstGeom prst="rect">
@@ -9152,7 +9393,7 @@
         </p:nvSpPr>
         <p:spPr>
           <a:xfrm rot="10800000" flipV="1">
-            <a:off x="26257414" y="24130484"/>
+            <a:off x="26518672" y="24130484"/>
             <a:ext cx="5112588" cy="979619"/>
           </a:xfrm>
           <a:prstGeom prst="rect">
@@ -9166,7 +9407,7 @@
           <a:effectLst/>
           <a:extLst>
             <a:ext uri="{C572A759-6A51-4108-AA02-DFA0A04FC94B}">
-              <ma14:wrappingTextBoxFlag xmlns:ma14="http://schemas.microsoft.com/office/mac/drawingml/2011/main" xmlns:a14="http://schemas.microsoft.com/office/drawing/2010/main" xmlns:m="http://schemas.openxmlformats.org/officeDocument/2006/math" xmlns="" val="1"/>
+              <ma14:wrappingTextBoxFlag xmlns="" xmlns:m="http://schemas.openxmlformats.org/officeDocument/2006/math" xmlns:a14="http://schemas.microsoft.com/office/drawing/2010/main" xmlns:ma14="http://schemas.microsoft.com/office/mac/drawingml/2011/main" val="1"/>
             </a:ext>
           </a:extLst>
         </p:spPr>
@@ -9219,7 +9460,7 @@
         </p:blipFill>
         <p:spPr>
           <a:xfrm>
-            <a:off x="26584067" y="21042042"/>
+            <a:off x="26845325" y="21042042"/>
             <a:ext cx="4588395" cy="3175012"/>
           </a:xfrm>
           <a:prstGeom prst="rect">
@@ -9254,7 +9495,7 @@
         </p:blipFill>
         <p:spPr>
           <a:xfrm>
-            <a:off x="22376825" y="9044188"/>
+            <a:off x="22638083" y="9044188"/>
             <a:ext cx="4647408" cy="4124190"/>
           </a:xfrm>
           <a:prstGeom prst="rect">
@@ -9284,7 +9525,7 @@
         </p:blipFill>
         <p:spPr>
           <a:xfrm>
-            <a:off x="26913426" y="9199624"/>
+            <a:off x="27174684" y="9199624"/>
             <a:ext cx="4259036" cy="3681540"/>
           </a:xfrm>
           <a:prstGeom prst="rect">
@@ -9314,7 +9555,7 @@
         </p:blipFill>
         <p:spPr>
           <a:xfrm>
-            <a:off x="22481401" y="13120215"/>
+            <a:off x="22742659" y="13120215"/>
             <a:ext cx="4268477" cy="3899975"/>
           </a:xfrm>
           <a:prstGeom prst="rect">
@@ -9344,7 +9585,7 @@
         </p:blipFill>
         <p:spPr>
           <a:xfrm>
-            <a:off x="26584067" y="13120215"/>
+            <a:off x="26845325" y="13120215"/>
             <a:ext cx="4459283" cy="3972816"/>
           </a:xfrm>
           <a:prstGeom prst="rect">
@@ -9366,7 +9607,7 @@
         </p:nvSpPr>
         <p:spPr>
           <a:xfrm>
-            <a:off x="23279873" y="12865236"/>
+            <a:off x="23541131" y="12865236"/>
             <a:ext cx="2939651" cy="369332"/>
           </a:xfrm>
           <a:prstGeom prst="rect">
@@ -9411,7 +9652,7 @@
         </p:nvSpPr>
         <p:spPr>
           <a:xfrm>
-            <a:off x="27551398" y="12869952"/>
+            <a:off x="27812656" y="12869952"/>
             <a:ext cx="2964786" cy="369332"/>
           </a:xfrm>
           <a:prstGeom prst="rect">
@@ -9456,7 +9697,7 @@
         </p:nvSpPr>
         <p:spPr>
           <a:xfrm>
-            <a:off x="23473939" y="16775345"/>
+            <a:off x="23735197" y="16775345"/>
             <a:ext cx="2625847" cy="369332"/>
           </a:xfrm>
           <a:prstGeom prst="rect">
@@ -9501,7 +9742,7 @@
         </p:nvSpPr>
         <p:spPr>
           <a:xfrm>
-            <a:off x="27698987" y="16795767"/>
+            <a:off x="27960245" y="16795767"/>
             <a:ext cx="2620461" cy="369332"/>
           </a:xfrm>
           <a:prstGeom prst="rect">
@@ -9546,7 +9787,7 @@
         </p:nvSpPr>
         <p:spPr>
           <a:xfrm>
-            <a:off x="11261243" y="15685051"/>
+            <a:off x="11522501" y="15685051"/>
             <a:ext cx="2009280" cy="487093"/>
           </a:xfrm>
           <a:prstGeom prst="rect">
@@ -9598,7 +9839,7 @@
         </p:nvSpPr>
         <p:spPr>
           <a:xfrm>
-            <a:off x="11554340" y="29887934"/>
+            <a:off x="11815598" y="29887934"/>
             <a:ext cx="2009280" cy="487093"/>
           </a:xfrm>
           <a:prstGeom prst="rect">
@@ -9650,7 +9891,7 @@
         </p:nvSpPr>
         <p:spPr>
           <a:xfrm>
-            <a:off x="16729763" y="29784962"/>
+            <a:off x="16991021" y="29784962"/>
             <a:ext cx="2009280" cy="487093"/>
           </a:xfrm>
           <a:prstGeom prst="rect">
@@ -10241,12 +10482,6 @@
 </file>
 
 <file path=customXml/item1.xml><?xml version="1.0" encoding="utf-8"?>
-<p:properties xmlns:p="http://schemas.microsoft.com/office/2006/metadata/properties" xmlns:xsi="http://www.w3.org/2001/XMLSchema-instance" xmlns:pc="http://schemas.microsoft.com/office/infopath/2007/PartnerControls">
-  <documentManagement/>
-</p:properties>
-</file>
-
-<file path=customXml/item2.xml><?xml version="1.0" encoding="utf-8"?>
 <ct:contentTypeSchema xmlns:ct="http://schemas.microsoft.com/office/2006/metadata/contentType" xmlns:ma="http://schemas.microsoft.com/office/2006/metadata/properties/metaAttributes" ct:_="" ma:_="" ma:contentTypeName="Document" ma:contentTypeID="0x010100C35610DE7082BC42870081046C36C099" ma:contentTypeVersion="0" ma:contentTypeDescription="Create a new document." ma:contentTypeScope="" ma:versionID="8644b65b9a67792f14bccf06eb615be5">
   <xsd:schema xmlns:xsd="http://www.w3.org/2001/XMLSchema" xmlns:p="http://schemas.microsoft.com/office/2006/metadata/properties" targetNamespace="http://schemas.microsoft.com/office/2006/metadata/properties" ma:root="true" ma:fieldsID="4aeb20c0e3442673af7ee10786458764">
     <xsd:element name="properties">
@@ -10295,7 +10530,28 @@
 </ct:contentTypeSchema>
 </file>
 
+<file path=customXml/item2.xml><?xml version="1.0" encoding="utf-8"?>
+<p:properties xmlns:p="http://schemas.microsoft.com/office/2006/metadata/properties" xmlns:xsi="http://www.w3.org/2001/XMLSchema-instance" xmlns:pc="http://schemas.microsoft.com/office/infopath/2007/PartnerControls">
+  <documentManagement/>
+</p:properties>
+</file>
+
 <file path=customXml/itemProps1.xml><?xml version="1.0" encoding="utf-8"?>
+<ds:datastoreItem xmlns:ds="http://schemas.openxmlformats.org/officeDocument/2006/customXml" ds:itemID="{25F88D8F-D874-45F2-8549-A55F0E00D127}">
+  <ds:schemaRefs>
+    <ds:schemaRef ds:uri="http://schemas.microsoft.com/office/2006/metadata/contentType"/>
+    <ds:schemaRef ds:uri="http://schemas.microsoft.com/office/2006/metadata/properties/metaAttributes"/>
+    <ds:schemaRef ds:uri="http://www.w3.org/2001/XMLSchema"/>
+    <ds:schemaRef ds:uri="http://schemas.microsoft.com/office/2006/metadata/properties"/>
+    <ds:schemaRef ds:uri="http://schemas.openxmlformats.org/package/2006/metadata/core-properties"/>
+    <ds:schemaRef ds:uri="http://purl.org/dc/elements/1.1/"/>
+    <ds:schemaRef ds:uri="http://purl.org/dc/terms/"/>
+    <ds:schemaRef ds:uri="http://schemas.microsoft.com/office/internal/2005/internalDocumentation"/>
+  </ds:schemaRefs>
+</ds:datastoreItem>
+</file>
+
+<file path=customXml/itemProps2.xml><?xml version="1.0" encoding="utf-8"?>
 <ds:datastoreItem xmlns:ds="http://schemas.openxmlformats.org/officeDocument/2006/customXml" ds:itemID="{84AEE379-5F72-42FE-84CF-0FB841B8A1E2}">
   <ds:schemaRefs>
     <ds:schemaRef ds:uri="http://schemas.microsoft.com/office/2006/documentManagement/types"/>
@@ -10308,19 +10564,4 @@
     <ds:schemaRef ds:uri="http://schemas.microsoft.com/office/infopath/2007/PartnerControls"/>
   </ds:schemaRefs>
 </ds:datastoreItem>
-</file>
-
-<file path=customXml/itemProps2.xml><?xml version="1.0" encoding="utf-8"?>
-<ds:datastoreItem xmlns:ds="http://schemas.openxmlformats.org/officeDocument/2006/customXml" ds:itemID="{25F88D8F-D874-45F2-8549-A55F0E00D127}">
-  <ds:schemaRefs>
-    <ds:schemaRef ds:uri="http://schemas.microsoft.com/office/2006/metadata/contentType"/>
-    <ds:schemaRef ds:uri="http://schemas.microsoft.com/office/2006/metadata/properties/metaAttributes"/>
-    <ds:schemaRef ds:uri="http://www.w3.org/2001/XMLSchema"/>
-    <ds:schemaRef ds:uri="http://schemas.microsoft.com/office/2006/metadata/properties"/>
-    <ds:schemaRef ds:uri="http://schemas.openxmlformats.org/package/2006/metadata/core-properties"/>
-    <ds:schemaRef ds:uri="http://purl.org/dc/elements/1.1/"/>
-    <ds:schemaRef ds:uri="http://purl.org/dc/terms/"/>
-    <ds:schemaRef ds:uri="http://schemas.microsoft.com/office/internal/2005/internalDocumentation"/>
-  </ds:schemaRefs>
-</ds:datastoreItem>
 </file>